--- a/Informática Aplicada a Logística Log N-1.pptx
+++ b/Informática Aplicada a Logística Log N-1.pptx
@@ -1174,7 +1174,7 @@
               <a:cs typeface="+mn-cs"/>
             </a:defRPr>
           </a:pPr>
-          <a:endParaRPr lang="pt-BR"/>
+          <a:endParaRPr lang="en-US"/>
         </a:p>
       </c:txPr>
     </c:title>
@@ -3906,7 +3906,7 @@
           <a:p>
             <a:fld id="{B1994AE8-6BBF-4B9D-8FE6-567342DB1F33}" type="datetimeFigureOut">
               <a:rPr lang="pt-BR" smtClean="0"/>
-              <a:t>27/02/2025</a:t>
+              <a:t>25/03/2025</a:t>
             </a:fld>
             <a:endParaRPr lang="pt-BR"/>
           </a:p>
@@ -4181,7 +4181,7 @@
           <a:p>
             <a:fld id="{B1994AE8-6BBF-4B9D-8FE6-567342DB1F33}" type="datetimeFigureOut">
               <a:rPr lang="pt-BR" smtClean="0"/>
-              <a:t>27/02/2025</a:t>
+              <a:t>25/03/2025</a:t>
             </a:fld>
             <a:endParaRPr lang="pt-BR"/>
           </a:p>
@@ -4375,7 +4375,7 @@
           <a:p>
             <a:fld id="{B1994AE8-6BBF-4B9D-8FE6-567342DB1F33}" type="datetimeFigureOut">
               <a:rPr lang="pt-BR" smtClean="0"/>
-              <a:t>27/02/2025</a:t>
+              <a:t>25/03/2025</a:t>
             </a:fld>
             <a:endParaRPr lang="pt-BR"/>
           </a:p>
@@ -4643,7 +4643,7 @@
           <a:p>
             <a:fld id="{B1994AE8-6BBF-4B9D-8FE6-567342DB1F33}" type="datetimeFigureOut">
               <a:rPr lang="pt-BR" smtClean="0"/>
-              <a:t>27/02/2025</a:t>
+              <a:t>25/03/2025</a:t>
             </a:fld>
             <a:endParaRPr lang="pt-BR"/>
           </a:p>
@@ -4975,7 +4975,7 @@
           <a:p>
             <a:fld id="{B1994AE8-6BBF-4B9D-8FE6-567342DB1F33}" type="datetimeFigureOut">
               <a:rPr lang="pt-BR" smtClean="0"/>
-              <a:t>27/02/2025</a:t>
+              <a:t>25/03/2025</a:t>
             </a:fld>
             <a:endParaRPr lang="pt-BR"/>
           </a:p>
@@ -5585,7 +5585,7 @@
           <a:p>
             <a:fld id="{B1994AE8-6BBF-4B9D-8FE6-567342DB1F33}" type="datetimeFigureOut">
               <a:rPr lang="pt-BR" smtClean="0"/>
-              <a:t>27/02/2025</a:t>
+              <a:t>25/03/2025</a:t>
             </a:fld>
             <a:endParaRPr lang="pt-BR"/>
           </a:p>
@@ -6432,7 +6432,7 @@
           <a:p>
             <a:fld id="{B1994AE8-6BBF-4B9D-8FE6-567342DB1F33}" type="datetimeFigureOut">
               <a:rPr lang="pt-BR" smtClean="0"/>
-              <a:t>27/02/2025</a:t>
+              <a:t>25/03/2025</a:t>
             </a:fld>
             <a:endParaRPr lang="pt-BR"/>
           </a:p>
@@ -6602,7 +6602,7 @@
           <a:p>
             <a:fld id="{B1994AE8-6BBF-4B9D-8FE6-567342DB1F33}" type="datetimeFigureOut">
               <a:rPr lang="pt-BR" smtClean="0"/>
-              <a:t>27/02/2025</a:t>
+              <a:t>25/03/2025</a:t>
             </a:fld>
             <a:endParaRPr lang="pt-BR"/>
           </a:p>
@@ -6782,7 +6782,7 @@
           <a:p>
             <a:fld id="{B1994AE8-6BBF-4B9D-8FE6-567342DB1F33}" type="datetimeFigureOut">
               <a:rPr lang="pt-BR" smtClean="0"/>
-              <a:t>27/02/2025</a:t>
+              <a:t>25/03/2025</a:t>
             </a:fld>
             <a:endParaRPr lang="pt-BR"/>
           </a:p>
@@ -6952,7 +6952,7 @@
           <a:p>
             <a:fld id="{B1994AE8-6BBF-4B9D-8FE6-567342DB1F33}" type="datetimeFigureOut">
               <a:rPr lang="pt-BR" smtClean="0"/>
-              <a:t>27/02/2025</a:t>
+              <a:t>25/03/2025</a:t>
             </a:fld>
             <a:endParaRPr lang="pt-BR"/>
           </a:p>
@@ -7196,7 +7196,7 @@
           <a:p>
             <a:fld id="{B1994AE8-6BBF-4B9D-8FE6-567342DB1F33}" type="datetimeFigureOut">
               <a:rPr lang="pt-BR" smtClean="0"/>
-              <a:t>27/02/2025</a:t>
+              <a:t>25/03/2025</a:t>
             </a:fld>
             <a:endParaRPr lang="pt-BR"/>
           </a:p>
@@ -7488,7 +7488,7 @@
           <a:p>
             <a:fld id="{B1994AE8-6BBF-4B9D-8FE6-567342DB1F33}" type="datetimeFigureOut">
               <a:rPr lang="pt-BR" smtClean="0"/>
-              <a:t>27/02/2025</a:t>
+              <a:t>25/03/2025</a:t>
             </a:fld>
             <a:endParaRPr lang="pt-BR"/>
           </a:p>
@@ -7926,7 +7926,7 @@
           <a:p>
             <a:fld id="{B1994AE8-6BBF-4B9D-8FE6-567342DB1F33}" type="datetimeFigureOut">
               <a:rPr lang="pt-BR" smtClean="0"/>
-              <a:t>27/02/2025</a:t>
+              <a:t>25/03/2025</a:t>
             </a:fld>
             <a:endParaRPr lang="pt-BR"/>
           </a:p>
@@ -8044,7 +8044,7 @@
           <a:p>
             <a:fld id="{B1994AE8-6BBF-4B9D-8FE6-567342DB1F33}" type="datetimeFigureOut">
               <a:rPr lang="pt-BR" smtClean="0"/>
-              <a:t>27/02/2025</a:t>
+              <a:t>25/03/2025</a:t>
             </a:fld>
             <a:endParaRPr lang="pt-BR"/>
           </a:p>
@@ -8139,7 +8139,7 @@
           <a:p>
             <a:fld id="{B1994AE8-6BBF-4B9D-8FE6-567342DB1F33}" type="datetimeFigureOut">
               <a:rPr lang="pt-BR" smtClean="0"/>
-              <a:t>27/02/2025</a:t>
+              <a:t>25/03/2025</a:t>
             </a:fld>
             <a:endParaRPr lang="pt-BR"/>
           </a:p>
@@ -8418,7 +8418,7 @@
           <a:p>
             <a:fld id="{B1994AE8-6BBF-4B9D-8FE6-567342DB1F33}" type="datetimeFigureOut">
               <a:rPr lang="pt-BR" smtClean="0"/>
-              <a:t>27/02/2025</a:t>
+              <a:t>25/03/2025</a:t>
             </a:fld>
             <a:endParaRPr lang="pt-BR"/>
           </a:p>
@@ -8693,7 +8693,7 @@
           <a:p>
             <a:fld id="{B1994AE8-6BBF-4B9D-8FE6-567342DB1F33}" type="datetimeFigureOut">
               <a:rPr lang="pt-BR" smtClean="0"/>
-              <a:t>27/02/2025</a:t>
+              <a:t>25/03/2025</a:t>
             </a:fld>
             <a:endParaRPr lang="pt-BR"/>
           </a:p>
@@ -9122,7 +9122,7 @@
           <a:p>
             <a:fld id="{B1994AE8-6BBF-4B9D-8FE6-567342DB1F33}" type="datetimeFigureOut">
               <a:rPr lang="pt-BR" smtClean="0"/>
-              <a:t>27/02/2025</a:t>
+              <a:t>25/03/2025</a:t>
             </a:fld>
             <a:endParaRPr lang="pt-BR"/>
           </a:p>
@@ -10485,6 +10485,36 @@
           </a:prstGeom>
         </p:spPr>
       </p:pic>
+      <p:pic>
+        <p:nvPicPr>
+          <p:cNvPr id="5" name="Imagem 4">
+            <a:extLst>
+              <a:ext uri="{FF2B5EF4-FFF2-40B4-BE49-F238E27FC236}">
+                <a16:creationId xmlns:a16="http://schemas.microsoft.com/office/drawing/2014/main" id="{32BA457E-673A-240F-9F47-BA792E57A907}"/>
+              </a:ext>
+            </a:extLst>
+          </p:cNvPr>
+          <p:cNvPicPr>
+            <a:picLocks noChangeAspect="1"/>
+          </p:cNvPicPr>
+          <p:nvPr/>
+        </p:nvPicPr>
+        <p:blipFill>
+          <a:blip r:embed="rId6"/>
+          <a:stretch>
+            <a:fillRect/>
+          </a:stretch>
+        </p:blipFill>
+        <p:spPr>
+          <a:xfrm>
+            <a:off x="4648865" y="2160070"/>
+            <a:ext cx="2724150" cy="2771775"/>
+          </a:xfrm>
+          <a:prstGeom prst="rect">
+            <a:avLst/>
+          </a:prstGeom>
+        </p:spPr>
+      </p:pic>
     </p:spTree>
     <p:extLst>
       <p:ext uri="{BB962C8B-B14F-4D97-AF65-F5344CB8AC3E}">
